--- a/08小隊.pptx
+++ b/08小隊.pptx
@@ -107,7 +107,68 @@
       </a:defRPr>
     </a:lvl9pPr>
   </p:defaultTextStyle>
+  <p:extLst>
+    <p:ext uri="{EFAFB233-063F-42B5-8137-9DF3F51BA10A}">
+      <p15:sldGuideLst xmlns:p15="http://schemas.microsoft.com/office/powerpoint/2012/main"/>
+    </p:ext>
+    <p:ext uri="{2D200454-40CA-4A62-9FC3-DE9A4176ACB9}">
+      <p15:notesGuideLst xmlns:p15="http://schemas.microsoft.com/office/powerpoint/2012/main"/>
+    </p:ext>
+  </p:extLst>
 </p:presentation>
+</file>
+
+<file path=ppt/changesInfos/changesInfo1.xml><?xml version="1.0" encoding="utf-8"?>
+<pc:chgInfo xmlns:a="http://schemas.openxmlformats.org/drawingml/2006/main" xmlns:r="http://schemas.openxmlformats.org/officeDocument/2006/relationships" xmlns:ac="http://schemas.microsoft.com/office/drawing/2013/main/command" xmlns:pc="http://schemas.microsoft.com/office/powerpoint/2013/main/command">
+  <pc:docChgLst>
+    <pc:chgData name="Zy MacX" userId="e1c80a996f6d2be2" providerId="LiveId" clId="{A60A39A7-833B-44CA-B483-28AD41F52EA7}"/>
+    <pc:docChg chg="modSld">
+      <pc:chgData name="Zy MacX" userId="e1c80a996f6d2be2" providerId="LiveId" clId="{A60A39A7-833B-44CA-B483-28AD41F52EA7}" dt="2018-01-12T15:50:16.027" v="8" actId="1076"/>
+      <pc:docMkLst>
+        <pc:docMk/>
+      </pc:docMkLst>
+      <pc:sldChg chg="modSp">
+        <pc:chgData name="Zy MacX" userId="e1c80a996f6d2be2" providerId="LiveId" clId="{A60A39A7-833B-44CA-B483-28AD41F52EA7}" dt="2018-01-12T15:50:16.027" v="8" actId="1076"/>
+        <pc:sldMkLst>
+          <pc:docMk/>
+          <pc:sldMk cId="3374925926" sldId="256"/>
+        </pc:sldMkLst>
+        <pc:spChg chg="mod">
+          <ac:chgData name="Zy MacX" userId="e1c80a996f6d2be2" providerId="LiveId" clId="{A60A39A7-833B-44CA-B483-28AD41F52EA7}" dt="2018-01-12T15:50:16.027" v="8" actId="1076"/>
+          <ac:spMkLst>
+            <pc:docMk/>
+            <pc:sldMk cId="3374925926" sldId="256"/>
+            <ac:spMk id="4" creationId="{00000000-0000-0000-0000-000000000000}"/>
+          </ac:spMkLst>
+        </pc:spChg>
+        <pc:spChg chg="mod">
+          <ac:chgData name="Zy MacX" userId="e1c80a996f6d2be2" providerId="LiveId" clId="{A60A39A7-833B-44CA-B483-28AD41F52EA7}" dt="2018-01-12T15:49:55.363" v="5"/>
+          <ac:spMkLst>
+            <pc:docMk/>
+            <pc:sldMk cId="3374925926" sldId="256"/>
+            <ac:spMk id="6" creationId="{00000000-0000-0000-0000-000000000000}"/>
+          </ac:spMkLst>
+        </pc:spChg>
+        <pc:spChg chg="mod">
+          <ac:chgData name="Zy MacX" userId="e1c80a996f6d2be2" providerId="LiveId" clId="{A60A39A7-833B-44CA-B483-28AD41F52EA7}" dt="2018-01-12T15:44:26.946" v="0" actId="20577"/>
+          <ac:spMkLst>
+            <pc:docMk/>
+            <pc:sldMk cId="3374925926" sldId="256"/>
+            <ac:spMk id="11" creationId="{00000000-0000-0000-0000-000000000000}"/>
+          </ac:spMkLst>
+        </pc:spChg>
+        <pc:picChg chg="mod">
+          <ac:chgData name="Zy MacX" userId="e1c80a996f6d2be2" providerId="LiveId" clId="{A60A39A7-833B-44CA-B483-28AD41F52EA7}" dt="2018-01-12T15:45:31.157" v="1" actId="1076"/>
+          <ac:picMkLst>
+            <pc:docMk/>
+            <pc:sldMk cId="3374925926" sldId="256"/>
+            <ac:picMk id="12" creationId="{00000000-0000-0000-0000-000000000000}"/>
+          </ac:picMkLst>
+        </pc:picChg>
+      </pc:sldChg>
+    </pc:docChg>
+  </pc:docChgLst>
+</pc:chgInfo>
 </file>
 
 <file path=ppt/notesMasters/notesMaster1.xml><?xml version="1.0" encoding="utf-8"?>
@@ -256,38 +317,37 @@
           <a:p>
             <a:pPr lvl="0"/>
             <a:r>
-              <a:rPr lang="zh-TW" altLang="en-US" smtClean="0"/>
+              <a:rPr lang="zh-TW" altLang="en-US"/>
               <a:t>編輯母片文字樣式</a:t>
             </a:r>
           </a:p>
           <a:p>
             <a:pPr lvl="1"/>
             <a:r>
-              <a:rPr lang="zh-TW" altLang="en-US" smtClean="0"/>
+              <a:rPr lang="zh-TW" altLang="en-US"/>
               <a:t>第二層</a:t>
             </a:r>
           </a:p>
           <a:p>
             <a:pPr lvl="2"/>
             <a:r>
-              <a:rPr lang="zh-TW" altLang="en-US" smtClean="0"/>
+              <a:rPr lang="zh-TW" altLang="en-US"/>
               <a:t>第三層</a:t>
             </a:r>
           </a:p>
           <a:p>
             <a:pPr lvl="3"/>
             <a:r>
-              <a:rPr lang="zh-TW" altLang="en-US" smtClean="0"/>
+              <a:rPr lang="zh-TW" altLang="en-US"/>
               <a:t>第四層</a:t>
             </a:r>
           </a:p>
           <a:p>
             <a:pPr lvl="4"/>
             <a:r>
-              <a:rPr lang="zh-TW" altLang="en-US" smtClean="0"/>
+              <a:rPr lang="zh-TW" altLang="en-US"/>
               <a:t>第五層</a:t>
             </a:r>
-            <a:endParaRPr lang="zh-TW" altLang="en-US"/>
           </a:p>
         </p:txBody>
       </p:sp>
@@ -502,7 +562,7 @@
           </a:lstStyle>
           <a:p>
             <a:r>
-              <a:rPr lang="zh-TW" altLang="en-US" smtClean="0"/>
+              <a:rPr lang="zh-TW" altLang="en-US"/>
               <a:t>按一下以編輯母片標題樣式</a:t>
             </a:r>
             <a:endParaRPr lang="en-US" dirty="0"/>
@@ -567,7 +627,7 @@
           </a:lstStyle>
           <a:p>
             <a:r>
-              <a:rPr lang="zh-TW" altLang="en-US" smtClean="0"/>
+              <a:rPr lang="zh-TW" altLang="en-US"/>
               <a:t>按一下以編輯母片副標題樣式</a:t>
             </a:r>
             <a:endParaRPr lang="en-US" dirty="0"/>
@@ -685,7 +745,7 @@
           <a:lstStyle/>
           <a:p>
             <a:r>
-              <a:rPr lang="zh-TW" altLang="en-US" smtClean="0"/>
+              <a:rPr lang="zh-TW" altLang="en-US"/>
               <a:t>按一下以編輯母片標題樣式</a:t>
             </a:r>
             <a:endParaRPr lang="en-US" dirty="0"/>
@@ -709,35 +769,35 @@
           <a:p>
             <a:pPr lvl="0"/>
             <a:r>
-              <a:rPr lang="zh-TW" altLang="en-US" smtClean="0"/>
+              <a:rPr lang="zh-TW" altLang="en-US"/>
               <a:t>編輯母片文字樣式</a:t>
             </a:r>
           </a:p>
           <a:p>
             <a:pPr lvl="1"/>
             <a:r>
-              <a:rPr lang="zh-TW" altLang="en-US" smtClean="0"/>
+              <a:rPr lang="zh-TW" altLang="en-US"/>
               <a:t>第二層</a:t>
             </a:r>
           </a:p>
           <a:p>
             <a:pPr lvl="2"/>
             <a:r>
-              <a:rPr lang="zh-TW" altLang="en-US" smtClean="0"/>
+              <a:rPr lang="zh-TW" altLang="en-US"/>
               <a:t>第三層</a:t>
             </a:r>
           </a:p>
           <a:p>
             <a:pPr lvl="3"/>
             <a:r>
-              <a:rPr lang="zh-TW" altLang="en-US" smtClean="0"/>
+              <a:rPr lang="zh-TW" altLang="en-US"/>
               <a:t>第四層</a:t>
             </a:r>
           </a:p>
           <a:p>
             <a:pPr lvl="4"/>
             <a:r>
-              <a:rPr lang="zh-TW" altLang="en-US" smtClean="0"/>
+              <a:rPr lang="zh-TW" altLang="en-US"/>
               <a:t>第五層</a:t>
             </a:r>
             <a:endParaRPr lang="en-US" dirty="0"/>
@@ -860,7 +920,7 @@
           <a:lstStyle/>
           <a:p>
             <a:r>
-              <a:rPr lang="zh-TW" altLang="en-US" smtClean="0"/>
+              <a:rPr lang="zh-TW" altLang="en-US"/>
               <a:t>按一下以編輯母片標題樣式</a:t>
             </a:r>
             <a:endParaRPr lang="en-US" dirty="0"/>
@@ -889,35 +949,35 @@
           <a:p>
             <a:pPr lvl="0"/>
             <a:r>
-              <a:rPr lang="zh-TW" altLang="en-US" smtClean="0"/>
+              <a:rPr lang="zh-TW" altLang="en-US"/>
               <a:t>編輯母片文字樣式</a:t>
             </a:r>
           </a:p>
           <a:p>
             <a:pPr lvl="1"/>
             <a:r>
-              <a:rPr lang="zh-TW" altLang="en-US" smtClean="0"/>
+              <a:rPr lang="zh-TW" altLang="en-US"/>
               <a:t>第二層</a:t>
             </a:r>
           </a:p>
           <a:p>
             <a:pPr lvl="2"/>
             <a:r>
-              <a:rPr lang="zh-TW" altLang="en-US" smtClean="0"/>
+              <a:rPr lang="zh-TW" altLang="en-US"/>
               <a:t>第三層</a:t>
             </a:r>
           </a:p>
           <a:p>
             <a:pPr lvl="3"/>
             <a:r>
-              <a:rPr lang="zh-TW" altLang="en-US" smtClean="0"/>
+              <a:rPr lang="zh-TW" altLang="en-US"/>
               <a:t>第四層</a:t>
             </a:r>
           </a:p>
           <a:p>
             <a:pPr lvl="4"/>
             <a:r>
-              <a:rPr lang="zh-TW" altLang="en-US" smtClean="0"/>
+              <a:rPr lang="zh-TW" altLang="en-US"/>
               <a:t>第五層</a:t>
             </a:r>
             <a:endParaRPr lang="en-US" dirty="0"/>
@@ -1035,7 +1095,7 @@
           <a:lstStyle/>
           <a:p>
             <a:r>
-              <a:rPr lang="zh-TW" altLang="en-US" smtClean="0"/>
+              <a:rPr lang="zh-TW" altLang="en-US"/>
               <a:t>按一下以編輯母片標題樣式</a:t>
             </a:r>
             <a:endParaRPr lang="en-US" dirty="0"/>
@@ -1059,35 +1119,35 @@
           <a:p>
             <a:pPr lvl="0"/>
             <a:r>
-              <a:rPr lang="zh-TW" altLang="en-US" smtClean="0"/>
+              <a:rPr lang="zh-TW" altLang="en-US"/>
               <a:t>編輯母片文字樣式</a:t>
             </a:r>
           </a:p>
           <a:p>
             <a:pPr lvl="1"/>
             <a:r>
-              <a:rPr lang="zh-TW" altLang="en-US" smtClean="0"/>
+              <a:rPr lang="zh-TW" altLang="en-US"/>
               <a:t>第二層</a:t>
             </a:r>
           </a:p>
           <a:p>
             <a:pPr lvl="2"/>
             <a:r>
-              <a:rPr lang="zh-TW" altLang="en-US" smtClean="0"/>
+              <a:rPr lang="zh-TW" altLang="en-US"/>
               <a:t>第三層</a:t>
             </a:r>
           </a:p>
           <a:p>
             <a:pPr lvl="3"/>
             <a:r>
-              <a:rPr lang="zh-TW" altLang="en-US" smtClean="0"/>
+              <a:rPr lang="zh-TW" altLang="en-US"/>
               <a:t>第四層</a:t>
             </a:r>
           </a:p>
           <a:p>
             <a:pPr lvl="4"/>
             <a:r>
-              <a:rPr lang="zh-TW" altLang="en-US" smtClean="0"/>
+              <a:rPr lang="zh-TW" altLang="en-US"/>
               <a:t>第五層</a:t>
             </a:r>
             <a:endParaRPr lang="en-US" dirty="0"/>
@@ -1214,7 +1274,7 @@
           </a:lstStyle>
           <a:p>
             <a:r>
-              <a:rPr lang="zh-TW" altLang="en-US" smtClean="0"/>
+              <a:rPr lang="zh-TW" altLang="en-US"/>
               <a:t>按一下以編輯母片標題樣式</a:t>
             </a:r>
             <a:endParaRPr lang="en-US" dirty="0"/>
@@ -1332,7 +1392,7 @@
           <a:p>
             <a:pPr lvl="0"/>
             <a:r>
-              <a:rPr lang="zh-TW" altLang="en-US" smtClean="0"/>
+              <a:rPr lang="zh-TW" altLang="en-US"/>
               <a:t>編輯母片文字樣式</a:t>
             </a:r>
           </a:p>
@@ -1449,7 +1509,7 @@
           <a:lstStyle/>
           <a:p>
             <a:r>
-              <a:rPr lang="zh-TW" altLang="en-US" smtClean="0"/>
+              <a:rPr lang="zh-TW" altLang="en-US"/>
               <a:t>按一下以編輯母片標題樣式</a:t>
             </a:r>
             <a:endParaRPr lang="en-US" dirty="0"/>
@@ -1478,35 +1538,35 @@
           <a:p>
             <a:pPr lvl="0"/>
             <a:r>
-              <a:rPr lang="zh-TW" altLang="en-US" smtClean="0"/>
+              <a:rPr lang="zh-TW" altLang="en-US"/>
               <a:t>編輯母片文字樣式</a:t>
             </a:r>
           </a:p>
           <a:p>
             <a:pPr lvl="1"/>
             <a:r>
-              <a:rPr lang="zh-TW" altLang="en-US" smtClean="0"/>
+              <a:rPr lang="zh-TW" altLang="en-US"/>
               <a:t>第二層</a:t>
             </a:r>
           </a:p>
           <a:p>
             <a:pPr lvl="2"/>
             <a:r>
-              <a:rPr lang="zh-TW" altLang="en-US" smtClean="0"/>
+              <a:rPr lang="zh-TW" altLang="en-US"/>
               <a:t>第三層</a:t>
             </a:r>
           </a:p>
           <a:p>
             <a:pPr lvl="3"/>
             <a:r>
-              <a:rPr lang="zh-TW" altLang="en-US" smtClean="0"/>
+              <a:rPr lang="zh-TW" altLang="en-US"/>
               <a:t>第四層</a:t>
             </a:r>
           </a:p>
           <a:p>
             <a:pPr lvl="4"/>
             <a:r>
-              <a:rPr lang="zh-TW" altLang="en-US" smtClean="0"/>
+              <a:rPr lang="zh-TW" altLang="en-US"/>
               <a:t>第五層</a:t>
             </a:r>
             <a:endParaRPr lang="en-US" dirty="0"/>
@@ -1535,35 +1595,35 @@
           <a:p>
             <a:pPr lvl="0"/>
             <a:r>
-              <a:rPr lang="zh-TW" altLang="en-US" smtClean="0"/>
+              <a:rPr lang="zh-TW" altLang="en-US"/>
               <a:t>編輯母片文字樣式</a:t>
             </a:r>
           </a:p>
           <a:p>
             <a:pPr lvl="1"/>
             <a:r>
-              <a:rPr lang="zh-TW" altLang="en-US" smtClean="0"/>
+              <a:rPr lang="zh-TW" altLang="en-US"/>
               <a:t>第二層</a:t>
             </a:r>
           </a:p>
           <a:p>
             <a:pPr lvl="2"/>
             <a:r>
-              <a:rPr lang="zh-TW" altLang="en-US" smtClean="0"/>
+              <a:rPr lang="zh-TW" altLang="en-US"/>
               <a:t>第三層</a:t>
             </a:r>
           </a:p>
           <a:p>
             <a:pPr lvl="3"/>
             <a:r>
-              <a:rPr lang="zh-TW" altLang="en-US" smtClean="0"/>
+              <a:rPr lang="zh-TW" altLang="en-US"/>
               <a:t>第四層</a:t>
             </a:r>
           </a:p>
           <a:p>
             <a:pPr lvl="4"/>
             <a:r>
-              <a:rPr lang="zh-TW" altLang="en-US" smtClean="0"/>
+              <a:rPr lang="zh-TW" altLang="en-US"/>
               <a:t>第五層</a:t>
             </a:r>
             <a:endParaRPr lang="en-US" dirty="0"/>
@@ -1686,7 +1746,7 @@
           <a:lstStyle/>
           <a:p>
             <a:r>
-              <a:rPr lang="zh-TW" altLang="en-US" smtClean="0"/>
+              <a:rPr lang="zh-TW" altLang="en-US"/>
               <a:t>按一下以編輯母片標題樣式</a:t>
             </a:r>
             <a:endParaRPr lang="en-US" dirty="0"/>
@@ -1752,7 +1812,7 @@
           <a:p>
             <a:pPr lvl="0"/>
             <a:r>
-              <a:rPr lang="zh-TW" altLang="en-US" smtClean="0"/>
+              <a:rPr lang="zh-TW" altLang="en-US"/>
               <a:t>編輯母片文字樣式</a:t>
             </a:r>
           </a:p>
@@ -1780,35 +1840,35 @@
           <a:p>
             <a:pPr lvl="0"/>
             <a:r>
-              <a:rPr lang="zh-TW" altLang="en-US" smtClean="0"/>
+              <a:rPr lang="zh-TW" altLang="en-US"/>
               <a:t>編輯母片文字樣式</a:t>
             </a:r>
           </a:p>
           <a:p>
             <a:pPr lvl="1"/>
             <a:r>
-              <a:rPr lang="zh-TW" altLang="en-US" smtClean="0"/>
+              <a:rPr lang="zh-TW" altLang="en-US"/>
               <a:t>第二層</a:t>
             </a:r>
           </a:p>
           <a:p>
             <a:pPr lvl="2"/>
             <a:r>
-              <a:rPr lang="zh-TW" altLang="en-US" smtClean="0"/>
+              <a:rPr lang="zh-TW" altLang="en-US"/>
               <a:t>第三層</a:t>
             </a:r>
           </a:p>
           <a:p>
             <a:pPr lvl="3"/>
             <a:r>
-              <a:rPr lang="zh-TW" altLang="en-US" smtClean="0"/>
+              <a:rPr lang="zh-TW" altLang="en-US"/>
               <a:t>第四層</a:t>
             </a:r>
           </a:p>
           <a:p>
             <a:pPr lvl="4"/>
             <a:r>
-              <a:rPr lang="zh-TW" altLang="en-US" smtClean="0"/>
+              <a:rPr lang="zh-TW" altLang="en-US"/>
               <a:t>第五層</a:t>
             </a:r>
             <a:endParaRPr lang="en-US" dirty="0"/>
@@ -1874,7 +1934,7 @@
           <a:p>
             <a:pPr lvl="0"/>
             <a:r>
-              <a:rPr lang="zh-TW" altLang="en-US" smtClean="0"/>
+              <a:rPr lang="zh-TW" altLang="en-US"/>
               <a:t>編輯母片文字樣式</a:t>
             </a:r>
           </a:p>
@@ -1902,35 +1962,35 @@
           <a:p>
             <a:pPr lvl="0"/>
             <a:r>
-              <a:rPr lang="zh-TW" altLang="en-US" smtClean="0"/>
+              <a:rPr lang="zh-TW" altLang="en-US"/>
               <a:t>編輯母片文字樣式</a:t>
             </a:r>
           </a:p>
           <a:p>
             <a:pPr lvl="1"/>
             <a:r>
-              <a:rPr lang="zh-TW" altLang="en-US" smtClean="0"/>
+              <a:rPr lang="zh-TW" altLang="en-US"/>
               <a:t>第二層</a:t>
             </a:r>
           </a:p>
           <a:p>
             <a:pPr lvl="2"/>
             <a:r>
-              <a:rPr lang="zh-TW" altLang="en-US" smtClean="0"/>
+              <a:rPr lang="zh-TW" altLang="en-US"/>
               <a:t>第三層</a:t>
             </a:r>
           </a:p>
           <a:p>
             <a:pPr lvl="3"/>
             <a:r>
-              <a:rPr lang="zh-TW" altLang="en-US" smtClean="0"/>
+              <a:rPr lang="zh-TW" altLang="en-US"/>
               <a:t>第四層</a:t>
             </a:r>
           </a:p>
           <a:p>
             <a:pPr lvl="4"/>
             <a:r>
-              <a:rPr lang="zh-TW" altLang="en-US" smtClean="0"/>
+              <a:rPr lang="zh-TW" altLang="en-US"/>
               <a:t>第五層</a:t>
             </a:r>
             <a:endParaRPr lang="en-US" dirty="0"/>
@@ -2048,7 +2108,7 @@
           <a:lstStyle/>
           <a:p>
             <a:r>
-              <a:rPr lang="zh-TW" altLang="en-US" smtClean="0"/>
+              <a:rPr lang="zh-TW" altLang="en-US"/>
               <a:t>按一下以編輯母片標題樣式</a:t>
             </a:r>
             <a:endParaRPr lang="en-US" dirty="0"/>
@@ -2270,7 +2330,7 @@
           </a:lstStyle>
           <a:p>
             <a:r>
-              <a:rPr lang="zh-TW" altLang="en-US" smtClean="0"/>
+              <a:rPr lang="zh-TW" altLang="en-US"/>
               <a:t>按一下以編輯母片標題樣式</a:t>
             </a:r>
             <a:endParaRPr lang="en-US" dirty="0"/>
@@ -2327,35 +2387,35 @@
           <a:p>
             <a:pPr lvl="0"/>
             <a:r>
-              <a:rPr lang="zh-TW" altLang="en-US" smtClean="0"/>
+              <a:rPr lang="zh-TW" altLang="en-US"/>
               <a:t>編輯母片文字樣式</a:t>
             </a:r>
           </a:p>
           <a:p>
             <a:pPr lvl="1"/>
             <a:r>
-              <a:rPr lang="zh-TW" altLang="en-US" smtClean="0"/>
+              <a:rPr lang="zh-TW" altLang="en-US"/>
               <a:t>第二層</a:t>
             </a:r>
           </a:p>
           <a:p>
             <a:pPr lvl="2"/>
             <a:r>
-              <a:rPr lang="zh-TW" altLang="en-US" smtClean="0"/>
+              <a:rPr lang="zh-TW" altLang="en-US"/>
               <a:t>第三層</a:t>
             </a:r>
           </a:p>
           <a:p>
             <a:pPr lvl="3"/>
             <a:r>
-              <a:rPr lang="zh-TW" altLang="en-US" smtClean="0"/>
+              <a:rPr lang="zh-TW" altLang="en-US"/>
               <a:t>第四層</a:t>
             </a:r>
           </a:p>
           <a:p>
             <a:pPr lvl="4"/>
             <a:r>
-              <a:rPr lang="zh-TW" altLang="en-US" smtClean="0"/>
+              <a:rPr lang="zh-TW" altLang="en-US"/>
               <a:t>第五層</a:t>
             </a:r>
             <a:endParaRPr lang="en-US" dirty="0"/>
@@ -2421,7 +2481,7 @@
           <a:p>
             <a:pPr lvl="0"/>
             <a:r>
-              <a:rPr lang="zh-TW" altLang="en-US" smtClean="0"/>
+              <a:rPr lang="zh-TW" altLang="en-US"/>
               <a:t>編輯母片文字樣式</a:t>
             </a:r>
           </a:p>
@@ -2547,7 +2607,7 @@
           </a:lstStyle>
           <a:p>
             <a:r>
-              <a:rPr lang="zh-TW" altLang="en-US" smtClean="0"/>
+              <a:rPr lang="zh-TW" altLang="en-US"/>
               <a:t>按一下以編輯母片標題樣式</a:t>
             </a:r>
             <a:endParaRPr lang="en-US" dirty="0"/>
@@ -2612,7 +2672,7 @@
           </a:lstStyle>
           <a:p>
             <a:r>
-              <a:rPr lang="zh-TW" altLang="en-US" smtClean="0"/>
+              <a:rPr lang="zh-TW" altLang="en-US"/>
               <a:t>按一下圖示以新增圖片</a:t>
             </a:r>
             <a:endParaRPr lang="en-US" dirty="0"/>
@@ -2678,7 +2738,7 @@
           <a:p>
             <a:pPr lvl="0"/>
             <a:r>
-              <a:rPr lang="zh-TW" altLang="en-US" smtClean="0"/>
+              <a:rPr lang="zh-TW" altLang="en-US"/>
               <a:t>編輯母片文字樣式</a:t>
             </a:r>
           </a:p>
@@ -2810,7 +2870,7 @@
           <a:lstStyle/>
           <a:p>
             <a:r>
-              <a:rPr lang="zh-TW" altLang="en-US" smtClean="0"/>
+              <a:rPr lang="zh-TW" altLang="en-US"/>
               <a:t>按一下以編輯母片標題樣式</a:t>
             </a:r>
             <a:endParaRPr lang="en-US" dirty="0"/>
@@ -2844,35 +2904,35 @@
           <a:p>
             <a:pPr lvl="0"/>
             <a:r>
-              <a:rPr lang="zh-TW" altLang="en-US" smtClean="0"/>
+              <a:rPr lang="zh-TW" altLang="en-US"/>
               <a:t>編輯母片文字樣式</a:t>
             </a:r>
           </a:p>
           <a:p>
             <a:pPr lvl="1"/>
             <a:r>
-              <a:rPr lang="zh-TW" altLang="en-US" smtClean="0"/>
+              <a:rPr lang="zh-TW" altLang="en-US"/>
               <a:t>第二層</a:t>
             </a:r>
           </a:p>
           <a:p>
             <a:pPr lvl="2"/>
             <a:r>
-              <a:rPr lang="zh-TW" altLang="en-US" smtClean="0"/>
+              <a:rPr lang="zh-TW" altLang="en-US"/>
               <a:t>第三層</a:t>
             </a:r>
           </a:p>
           <a:p>
             <a:pPr lvl="3"/>
             <a:r>
-              <a:rPr lang="zh-TW" altLang="en-US" smtClean="0"/>
+              <a:rPr lang="zh-TW" altLang="en-US"/>
               <a:t>第四層</a:t>
             </a:r>
           </a:p>
           <a:p>
             <a:pPr lvl="4"/>
             <a:r>
-              <a:rPr lang="zh-TW" altLang="en-US" smtClean="0"/>
+              <a:rPr lang="zh-TW" altLang="en-US"/>
               <a:t>第五層</a:t>
             </a:r>
             <a:endParaRPr lang="en-US" dirty="0"/>
@@ -3340,17 +3400,14 @@
         </p:nvSpPr>
         <p:spPr bwMode="auto">
           <a:xfrm>
-            <a:off x="1588" y="3978906"/>
+            <a:off x="6200" y="3963957"/>
             <a:ext cx="21383625" cy="3830085"/>
           </a:xfrm>
           <a:prstGeom prst="rect">
             <a:avLst/>
           </a:prstGeom>
           <a:solidFill>
-            <a:schemeClr val="tx2">
-              <a:lumMod val="20000"/>
-              <a:lumOff val="80000"/>
-            </a:schemeClr>
+            <a:srgbClr val="EBEBF5"/>
           </a:solidFill>
           <a:ln>
             <a:noFill/>
@@ -3382,7 +3439,7 @@
               <a:tabLst/>
             </a:pPr>
             <a:r>
-              <a:rPr kumimoji="0" lang="zh-CN" altLang="zh-TW" sz="7200" b="0" i="0" u="sng" strike="noStrike" cap="none" normalizeH="0" baseline="0" dirty="0" smtClean="0">
+              <a:rPr kumimoji="0" lang="zh-CN" altLang="zh-TW" sz="7200" b="0" i="0" u="sng" strike="noStrike" cap="none" normalizeH="0" baseline="0" dirty="0">
                 <a:ln>
                   <a:noFill/>
                 </a:ln>
@@ -3396,7 +3453,7 @@
               <a:t>指導老師</a:t>
             </a:r>
             <a:r>
-              <a:rPr kumimoji="0" lang="zh-TW" altLang="en-US" sz="7200" b="0" i="0" u="sng" strike="noStrike" cap="none" normalizeH="0" baseline="0" dirty="0" smtClean="0">
+              <a:rPr kumimoji="0" lang="zh-TW" altLang="en-US" sz="7200" b="0" i="0" u="sng" strike="noStrike" cap="none" normalizeH="0" baseline="0" dirty="0">
                 <a:ln>
                   <a:noFill/>
                 </a:ln>
@@ -3410,7 +3467,7 @@
               <a:t> </a:t>
             </a:r>
             <a:r>
-              <a:rPr kumimoji="0" lang="zh-TW" altLang="en-US" sz="7200" b="0" i="0" u="none" strike="noStrike" cap="none" normalizeH="0" baseline="0" dirty="0" smtClean="0">
+              <a:rPr kumimoji="0" lang="zh-TW" altLang="en-US" sz="7200" b="0" i="0" u="none" strike="noStrike" cap="none" normalizeH="0" baseline="0" dirty="0">
                 <a:ln>
                   <a:noFill/>
                 </a:ln>
@@ -3424,7 +3481,7 @@
               <a:t>                            </a:t>
             </a:r>
             <a:r>
-              <a:rPr kumimoji="0" lang="zh-CN" altLang="zh-TW" sz="7200" b="0" i="0" u="sng" strike="noStrike" cap="none" normalizeH="0" baseline="0" dirty="0" smtClean="0">
+              <a:rPr kumimoji="0" lang="zh-CN" altLang="zh-TW" sz="7200" b="0" i="0" u="sng" strike="noStrike" cap="none" normalizeH="0" baseline="0" dirty="0">
                 <a:ln>
                   <a:noFill/>
                 </a:ln>
@@ -3438,7 +3495,7 @@
               <a:t>組</a:t>
             </a:r>
             <a:r>
-              <a:rPr kumimoji="0" lang="zh-TW" altLang="zh-TW" sz="7200" b="0" i="0" u="sng" strike="noStrike" cap="none" normalizeH="0" baseline="0" dirty="0" smtClean="0">
+              <a:rPr kumimoji="0" lang="zh-TW" altLang="zh-TW" sz="7200" b="0" i="0" u="sng" strike="noStrike" cap="none" normalizeH="0" baseline="0" dirty="0">
                 <a:ln>
                   <a:noFill/>
                 </a:ln>
@@ -3452,7 +3509,7 @@
               <a:t>名</a:t>
             </a:r>
             <a:r>
-              <a:rPr kumimoji="0" lang="zh-TW" altLang="zh-CN" sz="7200" b="0" i="0" u="sng" strike="noStrike" cap="none" normalizeH="0" baseline="0" dirty="0" smtClean="0">
+              <a:rPr kumimoji="0" lang="zh-TW" altLang="zh-CN" sz="7200" b="0" i="0" u="sng" strike="noStrike" cap="none" normalizeH="0" baseline="0" dirty="0">
                 <a:ln>
                   <a:noFill/>
                 </a:ln>
@@ -3466,7 +3523,7 @@
               <a:t>:</a:t>
             </a:r>
             <a:r>
-              <a:rPr kumimoji="0" lang="en-US" altLang="zh-TW" sz="7200" b="0" i="0" u="sng" strike="noStrike" cap="none" normalizeH="0" baseline="0" dirty="0" smtClean="0">
+              <a:rPr kumimoji="0" lang="en-US" altLang="zh-TW" sz="7200" b="0" i="0" u="sng" strike="noStrike" cap="none" normalizeH="0" baseline="0" dirty="0">
                 <a:ln>
                   <a:noFill/>
                 </a:ln>
@@ -3480,7 +3537,7 @@
               <a:t>08</a:t>
             </a:r>
             <a:r>
-              <a:rPr kumimoji="0" lang="zh-TW" altLang="zh-TW" sz="7200" b="0" i="0" u="sng" strike="noStrike" cap="none" normalizeH="0" baseline="0" dirty="0" smtClean="0">
+              <a:rPr kumimoji="0" lang="zh-TW" altLang="zh-TW" sz="7200" b="0" i="0" u="sng" strike="noStrike" cap="none" normalizeH="0" baseline="0" dirty="0">
                 <a:ln>
                   <a:noFill/>
                 </a:ln>
@@ -3493,7 +3550,7 @@
               </a:rPr>
               <a:t>小隊</a:t>
             </a:r>
-            <a:endParaRPr kumimoji="0" lang="zh-CN" altLang="zh-TW" sz="7200" b="0" i="0" u="sng" strike="noStrike" cap="none" normalizeH="0" baseline="0" dirty="0" smtClean="0">
+            <a:endParaRPr kumimoji="0" lang="zh-CN" altLang="zh-TW" sz="7200" b="0" i="0" u="sng" strike="noStrike" cap="none" normalizeH="0" baseline="0" dirty="0">
               <a:ln>
                 <a:noFill/>
               </a:ln>
@@ -3523,7 +3580,7 @@
               <a:tabLst/>
             </a:pPr>
             <a:r>
-              <a:rPr kumimoji="0" lang="zh-CN" altLang="zh-TW" sz="6600" b="0" i="0" u="none" strike="noStrike" cap="none" normalizeH="0" baseline="0" dirty="0" smtClean="0">
+              <a:rPr kumimoji="0" lang="zh-CN" altLang="zh-TW" sz="6600" b="0" i="0" u="none" strike="noStrike" cap="none" normalizeH="0" baseline="0" dirty="0">
                 <a:ln>
                   <a:noFill/>
                 </a:ln>
@@ -3537,7 +3594,7 @@
               <a:t>陳錫民</a:t>
             </a:r>
             <a:r>
-              <a:rPr kumimoji="0" lang="zh-TW" altLang="en-US" sz="4800" b="0" i="0" u="none" strike="noStrike" cap="none" normalizeH="0" baseline="0" dirty="0" smtClean="0">
+              <a:rPr kumimoji="0" lang="zh-TW" altLang="en-US" sz="4800" b="0" i="0" u="none" strike="noStrike" cap="none" normalizeH="0" baseline="0" dirty="0">
                 <a:ln>
                   <a:noFill/>
                 </a:ln>
@@ -3551,7 +3608,7 @@
               <a:t>                                                   </a:t>
             </a:r>
             <a:r>
-              <a:rPr kumimoji="0" lang="zh-CN" altLang="zh-TW" sz="6000" b="0" i="0" u="none" strike="noStrike" cap="none" normalizeH="0" baseline="0" dirty="0" smtClean="0">
+              <a:rPr kumimoji="0" lang="zh-CN" altLang="zh-TW" sz="6000" b="0" i="0" u="none" strike="noStrike" cap="none" normalizeH="0" baseline="0" dirty="0">
                 <a:ln>
                   <a:noFill/>
                 </a:ln>
@@ -3565,7 +3622,7 @@
               <a:t>鄔植詠 </a:t>
             </a:r>
             <a:r>
-              <a:rPr kumimoji="0" lang="zh-TW" altLang="zh-TW" sz="6000" b="0" i="0" u="none" strike="noStrike" cap="none" normalizeH="0" baseline="0" dirty="0" smtClean="0">
+              <a:rPr kumimoji="0" lang="zh-TW" altLang="zh-TW" sz="6000" b="0" i="0" u="none" strike="noStrike" cap="none" normalizeH="0" baseline="0" dirty="0">
                 <a:ln>
                   <a:noFill/>
                 </a:ln>
@@ -3579,7 +3636,7 @@
               <a:t>洪崇堡</a:t>
             </a:r>
             <a:r>
-              <a:rPr kumimoji="0" lang="zh-TW" altLang="en-US" sz="6000" b="0" i="0" u="none" strike="noStrike" cap="none" normalizeH="0" baseline="0" dirty="0" smtClean="0">
+              <a:rPr kumimoji="0" lang="zh-TW" altLang="en-US" sz="6000" b="0" i="0" u="none" strike="noStrike" cap="none" normalizeH="0" baseline="0" dirty="0">
                 <a:ln>
                   <a:noFill/>
                 </a:ln>
@@ -3593,7 +3650,7 @@
               <a:t>  </a:t>
             </a:r>
             <a:r>
-              <a:rPr kumimoji="0" lang="zh-TW" altLang="zh-TW" sz="6000" b="0" i="0" u="none" strike="noStrike" cap="none" normalizeH="0" baseline="0" dirty="0" smtClean="0">
+              <a:rPr kumimoji="0" lang="zh-TW" altLang="zh-TW" sz="6000" b="0" i="0" u="none" strike="noStrike" cap="none" normalizeH="0" baseline="0" dirty="0">
                 <a:ln>
                   <a:noFill/>
                 </a:ln>
@@ -3607,7 +3664,7 @@
               <a:t>楊允中</a:t>
             </a:r>
             <a:r>
-              <a:rPr kumimoji="0" lang="zh-TW" altLang="en-US" sz="6000" b="0" i="0" u="none" strike="noStrike" cap="none" normalizeH="0" baseline="0" dirty="0" smtClean="0">
+              <a:rPr kumimoji="0" lang="zh-TW" altLang="en-US" sz="6000" b="0" i="0" u="none" strike="noStrike" cap="none" normalizeH="0" baseline="0" dirty="0">
                 <a:ln>
                   <a:noFill/>
                 </a:ln>
@@ -3621,7 +3678,7 @@
               <a:t> </a:t>
             </a:r>
             <a:r>
-              <a:rPr kumimoji="0" lang="zh-TW" altLang="zh-TW" sz="6000" b="0" i="0" u="none" strike="noStrike" cap="none" normalizeH="0" baseline="0" dirty="0" smtClean="0">
+              <a:rPr kumimoji="0" lang="zh-TW" altLang="zh-TW" sz="6000" b="0" i="0" u="none" strike="noStrike" cap="none" normalizeH="0" baseline="0" dirty="0">
                 <a:ln>
                   <a:noFill/>
                 </a:ln>
@@ -3634,7 +3691,7 @@
               </a:rPr>
               <a:t>蔡承益</a:t>
             </a:r>
-            <a:endParaRPr kumimoji="0" lang="zh-CN" altLang="zh-TW" sz="6000" b="0" i="0" u="none" strike="noStrike" cap="none" normalizeH="0" baseline="0" dirty="0" smtClean="0">
+            <a:endParaRPr kumimoji="0" lang="zh-CN" altLang="zh-TW" sz="6000" b="0" i="0" u="none" strike="noStrike" cap="none" normalizeH="0" baseline="0" dirty="0">
               <a:ln>
                 <a:noFill/>
               </a:ln>
@@ -3663,7 +3720,7 @@
               <a:buNone/>
               <a:tabLst/>
             </a:pPr>
-            <a:endParaRPr kumimoji="0" lang="zh-CN" altLang="zh-TW" sz="3200" b="0" i="0" u="none" strike="noStrike" cap="none" normalizeH="0" baseline="0" dirty="0" smtClean="0">
+            <a:endParaRPr kumimoji="0" lang="zh-CN" altLang="zh-TW" sz="3200" b="0" i="0" u="none" strike="noStrike" cap="none" normalizeH="0" baseline="0" dirty="0">
               <a:ln>
                 <a:noFill/>
               </a:ln>
@@ -3692,7 +3749,7 @@
               <a:buNone/>
               <a:tabLst/>
             </a:pPr>
-            <a:endParaRPr kumimoji="0" lang="zh-CN" altLang="zh-TW" sz="3200" b="0" i="0" u="none" strike="noStrike" cap="none" normalizeH="0" baseline="0" dirty="0" smtClean="0">
+            <a:endParaRPr kumimoji="0" lang="zh-CN" altLang="zh-TW" sz="3200" b="0" i="0" u="none" strike="noStrike" cap="none" normalizeH="0" baseline="0" dirty="0">
               <a:ln>
                 <a:noFill/>
               </a:ln>
@@ -3721,7 +3778,7 @@
               <a:buNone/>
               <a:tabLst/>
             </a:pPr>
-            <a:endParaRPr kumimoji="0" lang="zh-TW" altLang="zh-TW" sz="6600" b="0" i="0" u="none" strike="noStrike" cap="none" normalizeH="0" baseline="0" dirty="0" smtClean="0">
+            <a:endParaRPr kumimoji="0" lang="zh-TW" altLang="zh-TW" sz="6600" b="0" i="0" u="none" strike="noStrike" cap="none" normalizeH="0" baseline="0" dirty="0">
               <a:ln>
                 <a:noFill/>
               </a:ln>
@@ -3751,33 +3808,13 @@
             <a:avLst/>
           </a:prstGeom>
           <a:solidFill>
-            <a:srgbClr val="EBEBF5"/>
+            <a:srgbClr val="D6DCE5"/>
           </a:solidFill>
           <a:ln>
             <a:noFill/>
           </a:ln>
           <a:effectLst/>
-          <a:extLst>
-            <a:ext uri="{91240B29-F687-4F45-9708-019B960494DF}">
-              <a14:hiddenLine xmlns:a14="http://schemas.microsoft.com/office/drawing/2010/main" w="25400" algn="ctr">
-                <a:solidFill>
-                  <a:srgbClr val="000080"/>
-                </a:solidFill>
-                <a:miter lim="800000"/>
-                <a:headEnd/>
-                <a:tailEnd/>
-              </a14:hiddenLine>
-            </a:ext>
-            <a:ext uri="{AF507438-7753-43E0-B8FC-AC1667EBCBE1}">
-              <a14:hiddenEffects xmlns:a14="http://schemas.microsoft.com/office/drawing/2010/main">
-                <a:effectLst>
-                  <a:outerShdw dist="35921" dir="2700000" algn="ctr" rotWithShape="0">
-                    <a:srgbClr val="000080"/>
-                  </a:outerShdw>
-                </a:effectLst>
-              </a14:hiddenEffects>
-            </a:ext>
-          </a:extLst>
+          <a:extLst/>
         </p:spPr>
         <p:txBody>
           <a:bodyPr vert="horz" wrap="square" lIns="36576" tIns="36576" rIns="36576" bIns="36576" numCol="1" anchor="t" anchorCtr="0" compatLnSpc="1">
@@ -3804,7 +3841,7 @@
               <a:tabLst/>
             </a:pPr>
             <a:r>
-              <a:rPr kumimoji="0" lang="zh-TW" altLang="zh-TW" sz="11500" b="0" i="0" u="none" strike="noStrike" cap="none" normalizeH="0" baseline="0" dirty="0" smtClean="0">
+              <a:rPr kumimoji="0" lang="zh-TW" altLang="zh-TW" sz="11500" b="0" i="0" u="none" strike="noStrike" cap="none" normalizeH="0" baseline="0" dirty="0">
                 <a:ln>
                   <a:noFill/>
                 </a:ln>
@@ -3817,7 +3854,7 @@
               </a:rPr>
               <a:t>原力與你同在</a:t>
             </a:r>
-            <a:endParaRPr kumimoji="0" lang="zh-CN" altLang="zh-TW" sz="11500" b="0" i="0" u="none" strike="noStrike" cap="none" normalizeH="0" baseline="0" dirty="0" smtClean="0">
+            <a:endParaRPr kumimoji="0" lang="zh-CN" altLang="zh-TW" sz="11500" b="0" i="0" u="none" strike="noStrike" cap="none" normalizeH="0" baseline="0" dirty="0">
               <a:ln>
                 <a:noFill/>
               </a:ln>
@@ -3846,7 +3883,7 @@
               <a:buNone/>
               <a:tabLst/>
             </a:pPr>
-            <a:endParaRPr kumimoji="0" lang="zh-TW" altLang="zh-TW" sz="1800" b="0" i="0" u="none" strike="noStrike" cap="none" normalizeH="0" baseline="0" dirty="0" smtClean="0">
+            <a:endParaRPr kumimoji="0" lang="zh-TW" altLang="zh-TW" sz="1800" b="0" i="0" u="none" strike="noStrike" cap="none" normalizeH="0" baseline="0" dirty="0">
               <a:ln>
                 <a:noFill/>
               </a:ln>
@@ -3911,7 +3948,7 @@
         </p:blipFill>
         <p:spPr>
           <a:xfrm>
-            <a:off x="15690367" y="742927"/>
+            <a:off x="15192374" y="742927"/>
             <a:ext cx="3111984" cy="3136296"/>
           </a:xfrm>
           <a:prstGeom prst="rect">
@@ -3994,7 +4031,7 @@
               <a:tabLst/>
             </a:pPr>
             <a:r>
-              <a:rPr kumimoji="0" lang="zh-TW" altLang="zh-TW" sz="7200" b="1" i="0" u="none" strike="noStrike" cap="none" normalizeH="0" baseline="0" dirty="0" smtClean="0">
+              <a:rPr kumimoji="0" lang="zh-TW" altLang="zh-TW" sz="7200" b="1" i="0" u="none" strike="noStrike" cap="none" normalizeH="0" baseline="0" dirty="0">
                 <a:ln>
                   <a:noFill/>
                 </a:ln>
@@ -4026,7 +4063,7 @@
               <a:tabLst/>
             </a:pPr>
             <a:r>
-              <a:rPr kumimoji="0" lang="zh-CN" altLang="zh-TW" sz="7200" b="0" i="0" u="none" strike="noStrike" cap="none" normalizeH="0" baseline="0" dirty="0" smtClean="0">
+              <a:rPr kumimoji="0" lang="zh-CN" altLang="zh-TW" sz="7200" b="0" i="0" u="none" strike="noStrike" cap="none" normalizeH="0" baseline="0" dirty="0">
                 <a:ln>
                   <a:noFill/>
                 </a:ln>
@@ -4058,7 +4095,7 @@
               <a:tabLst/>
             </a:pPr>
             <a:r>
-              <a:rPr kumimoji="0" lang="zh-CN" altLang="zh-TW" sz="7200" b="0" i="0" u="none" strike="noStrike" cap="none" normalizeH="0" baseline="0" dirty="0" smtClean="0">
+              <a:rPr kumimoji="0" lang="zh-CN" altLang="zh-TW" sz="7200" b="0" i="0" u="none" strike="noStrike" cap="none" normalizeH="0" baseline="0" dirty="0">
                 <a:ln>
                   <a:noFill/>
                 </a:ln>
@@ -4090,7 +4127,7 @@
               <a:tabLst/>
             </a:pPr>
             <a:r>
-              <a:rPr kumimoji="0" lang="zh-CN" altLang="zh-TW" sz="7200" b="0" i="0" u="none" strike="noStrike" cap="none" normalizeH="0" baseline="0" dirty="0" smtClean="0">
+              <a:rPr kumimoji="0" lang="zh-CN" altLang="zh-TW" sz="7200" b="0" i="0" u="none" strike="noStrike" cap="none" normalizeH="0" baseline="0" dirty="0">
                 <a:ln>
                   <a:noFill/>
                 </a:ln>
@@ -4103,7 +4140,7 @@
               </a:rPr>
               <a:t>行銷部落特色</a:t>
             </a:r>
-            <a:endParaRPr kumimoji="0" lang="zh-TW" altLang="zh-TW" sz="7200" b="0" i="0" u="none" strike="noStrike" cap="none" normalizeH="0" baseline="0" dirty="0" smtClean="0">
+            <a:endParaRPr kumimoji="0" lang="zh-TW" altLang="zh-TW" sz="7200" b="0" i="0" u="none" strike="noStrike" cap="none" normalizeH="0" baseline="0" dirty="0">
               <a:ln>
                 <a:noFill/>
               </a:ln>
@@ -4256,7 +4293,7 @@
               <a:tabLst/>
             </a:pPr>
             <a:r>
-              <a:rPr kumimoji="0" lang="zh-CN" altLang="zh-TW" sz="7200" b="1" i="0" u="none" strike="noStrike" cap="none" normalizeH="0" baseline="0" dirty="0" smtClean="0">
+              <a:rPr kumimoji="0" lang="zh-CN" altLang="zh-TW" sz="7200" b="1" i="0" u="none" strike="noStrike" cap="none" normalizeH="0" baseline="0" dirty="0">
                 <a:ln>
                   <a:noFill/>
                 </a:ln>
@@ -4269,7 +4306,7 @@
               </a:rPr>
               <a:t>網頁介紹</a:t>
             </a:r>
-            <a:endParaRPr kumimoji="0" lang="zh-TW" altLang="zh-TW" sz="7200" b="0" i="0" u="none" strike="noStrike" cap="none" normalizeH="0" baseline="0" dirty="0" smtClean="0">
+            <a:endParaRPr kumimoji="0" lang="zh-TW" altLang="zh-TW" sz="7200" b="0" i="0" u="none" strike="noStrike" cap="none" normalizeH="0" baseline="0" dirty="0">
               <a:ln>
                 <a:noFill/>
               </a:ln>
@@ -4299,7 +4336,7 @@
               <a:tabLst/>
             </a:pPr>
             <a:r>
-              <a:rPr kumimoji="0" lang="zh-TW" altLang="zh-TW" sz="5400" b="0" i="0" u="none" strike="noStrike" cap="none" normalizeH="0" baseline="0" dirty="0" smtClean="0">
+              <a:rPr kumimoji="0" lang="zh-TW" altLang="zh-TW" sz="5400" b="0" i="0" u="none" strike="noStrike" cap="none" normalizeH="0" baseline="0" dirty="0">
                 <a:ln>
                   <a:noFill/>
                 </a:ln>
@@ -4331,7 +4368,7 @@
               <a:tabLst/>
             </a:pPr>
             <a:r>
-              <a:rPr kumimoji="0" lang="zh-TW" altLang="zh-TW" sz="5400" b="0" i="0" u="none" strike="noStrike" cap="none" normalizeH="0" baseline="0" dirty="0" smtClean="0">
+              <a:rPr kumimoji="0" lang="zh-TW" altLang="zh-TW" sz="5400" b="0" i="0" u="none" strike="noStrike" cap="none" normalizeH="0" baseline="0" dirty="0">
                 <a:ln>
                   <a:noFill/>
                 </a:ln>
@@ -4363,7 +4400,7 @@
               <a:tabLst/>
             </a:pPr>
             <a:r>
-              <a:rPr kumimoji="0" lang="zh-TW" altLang="zh-TW" sz="5400" b="0" i="0" u="none" strike="noStrike" cap="none" normalizeH="0" baseline="0" dirty="0" smtClean="0">
+              <a:rPr kumimoji="0" lang="zh-TW" altLang="zh-TW" sz="5400" b="0" i="0" u="none" strike="noStrike" cap="none" normalizeH="0" baseline="0" dirty="0">
                 <a:ln>
                   <a:noFill/>
                 </a:ln>
@@ -4395,7 +4432,7 @@
               <a:tabLst/>
             </a:pPr>
             <a:r>
-              <a:rPr kumimoji="0" lang="zh-CN" altLang="zh-TW" sz="5400" b="0" i="0" u="none" strike="noStrike" cap="none" normalizeH="0" baseline="0" dirty="0" smtClean="0">
+              <a:rPr kumimoji="0" lang="zh-CN" altLang="zh-TW" sz="5400" b="0" i="0" u="none" strike="noStrike" cap="none" normalizeH="0" baseline="0" dirty="0">
                 <a:ln>
                   <a:noFill/>
                 </a:ln>
@@ -4408,7 +4445,7 @@
               </a:rPr>
               <a:t>讓使用者瀏覽影片</a:t>
             </a:r>
-            <a:endParaRPr kumimoji="0" lang="en-US" altLang="zh-CN" sz="5400" b="0" i="0" u="none" strike="noStrike" cap="none" normalizeH="0" baseline="0" dirty="0" smtClean="0">
+            <a:endParaRPr kumimoji="0" lang="en-US" altLang="zh-CN" sz="5400" b="0" i="0" u="none" strike="noStrike" cap="none" normalizeH="0" baseline="0" dirty="0">
               <a:ln>
                 <a:noFill/>
               </a:ln>
@@ -4438,7 +4475,7 @@
               <a:tabLst/>
             </a:pPr>
             <a:r>
-              <a:rPr kumimoji="0" lang="zh-CN" altLang="zh-TW" sz="5400" b="0" i="0" u="none" strike="noStrike" cap="none" normalizeH="0" baseline="0" dirty="0" smtClean="0">
+              <a:rPr kumimoji="0" lang="zh-CN" altLang="zh-TW" sz="5400" b="0" i="0" u="none" strike="noStrike" cap="none" normalizeH="0" baseline="0" dirty="0">
                 <a:ln>
                   <a:noFill/>
                 </a:ln>
@@ -4451,7 +4488,7 @@
               </a:rPr>
               <a:t>給予回饋和留言</a:t>
             </a:r>
-            <a:endParaRPr kumimoji="0" lang="zh-TW" altLang="zh-TW" sz="5400" b="0" i="0" u="none" strike="noStrike" cap="none" normalizeH="0" baseline="0" dirty="0" smtClean="0">
+            <a:endParaRPr kumimoji="0" lang="zh-TW" altLang="zh-TW" sz="5400" b="0" i="0" u="none" strike="noStrike" cap="none" normalizeH="0" baseline="0" dirty="0">
               <a:ln>
                 <a:noFill/>
               </a:ln>
@@ -4481,7 +4518,7 @@
               <a:tabLst/>
             </a:pPr>
             <a:r>
-              <a:rPr kumimoji="0" lang="zh-TW" altLang="zh-TW" sz="5400" b="0" i="0" u="none" strike="noStrike" cap="none" normalizeH="0" baseline="0" dirty="0" smtClean="0">
+              <a:rPr kumimoji="0" lang="zh-TW" altLang="zh-TW" sz="5400" b="0" i="0" u="none" strike="noStrike" cap="none" normalizeH="0" baseline="0" dirty="0">
                 <a:ln>
                   <a:noFill/>
                 </a:ln>
@@ -4513,7 +4550,7 @@
               <a:tabLst/>
             </a:pPr>
             <a:r>
-              <a:rPr kumimoji="0" lang="zh-TW" altLang="zh-TW" sz="5400" b="0" i="0" u="none" strike="noStrike" cap="none" normalizeH="0" baseline="0" dirty="0" smtClean="0">
+              <a:rPr kumimoji="0" lang="zh-TW" altLang="zh-TW" sz="5400" b="0" i="0" u="none" strike="noStrike" cap="none" normalizeH="0" baseline="0" dirty="0">
                 <a:ln>
                   <a:noFill/>
                 </a:ln>
@@ -4544,7 +4581,7 @@
               <a:buNone/>
               <a:tabLst/>
             </a:pPr>
-            <a:endParaRPr kumimoji="0" lang="zh-TW" altLang="zh-TW" sz="4400" b="0" i="0" u="none" strike="noStrike" cap="none" normalizeH="0" baseline="0" dirty="0" smtClean="0">
+            <a:endParaRPr kumimoji="0" lang="zh-TW" altLang="zh-TW" sz="4400" b="0" i="0" u="none" strike="noStrike" cap="none" normalizeH="0" baseline="0" dirty="0">
               <a:ln>
                 <a:noFill/>
               </a:ln>
@@ -4573,7 +4610,7 @@
               <a:buNone/>
               <a:tabLst/>
             </a:pPr>
-            <a:endParaRPr kumimoji="0" lang="zh-TW" altLang="zh-TW" sz="4400" b="0" i="0" u="none" strike="noStrike" cap="none" normalizeH="0" baseline="0" dirty="0" smtClean="0">
+            <a:endParaRPr kumimoji="0" lang="zh-TW" altLang="zh-TW" sz="4400" b="0" i="0" u="none" strike="noStrike" cap="none" normalizeH="0" baseline="0" dirty="0">
               <a:ln>
                 <a:noFill/>
               </a:ln>
@@ -4602,7 +4639,7 @@
               <a:buNone/>
               <a:tabLst/>
             </a:pPr>
-            <a:endParaRPr kumimoji="0" lang="zh-TW" altLang="zh-TW" sz="4400" b="0" i="0" u="none" strike="noStrike" cap="none" normalizeH="0" baseline="0" dirty="0" smtClean="0">
+            <a:endParaRPr kumimoji="0" lang="zh-TW" altLang="zh-TW" sz="4400" b="0" i="0" u="none" strike="noStrike" cap="none" normalizeH="0" baseline="0" dirty="0">
               <a:ln>
                 <a:noFill/>
               </a:ln>
@@ -4631,7 +4668,7 @@
               <a:buNone/>
               <a:tabLst/>
             </a:pPr>
-            <a:endParaRPr kumimoji="0" lang="zh-TW" altLang="zh-TW" sz="4400" b="0" i="0" u="none" strike="noStrike" cap="none" normalizeH="0" baseline="0" dirty="0" smtClean="0">
+            <a:endParaRPr kumimoji="0" lang="zh-TW" altLang="zh-TW" sz="4400" b="0" i="0" u="none" strike="noStrike" cap="none" normalizeH="0" baseline="0" dirty="0">
               <a:ln>
                 <a:noFill/>
               </a:ln>
@@ -4783,7 +4820,7 @@
               <a:tabLst/>
             </a:pPr>
             <a:r>
-              <a:rPr kumimoji="0" lang="zh-TW" altLang="zh-TW" sz="7200" b="1" i="0" u="none" strike="noStrike" cap="none" normalizeH="0" baseline="0" dirty="0" smtClean="0">
+              <a:rPr kumimoji="0" lang="zh-TW" altLang="zh-TW" sz="7200" b="1" i="0" u="none" strike="noStrike" cap="none" normalizeH="0" baseline="0" dirty="0">
                 <a:ln>
                   <a:noFill/>
                 </a:ln>
@@ -4815,7 +4852,7 @@
               <a:tabLst/>
             </a:pPr>
             <a:r>
-              <a:rPr kumimoji="0" lang="zh-TW" altLang="zh-TW" sz="7200" b="0" i="0" u="none" strike="noStrike" cap="none" normalizeH="0" baseline="0" dirty="0" smtClean="0">
+              <a:rPr kumimoji="0" lang="zh-TW" altLang="zh-TW" sz="7200" b="0" i="0" u="none" strike="noStrike" cap="none" normalizeH="0" baseline="0" dirty="0">
                 <a:ln>
                   <a:noFill/>
                 </a:ln>
@@ -4829,7 +4866,7 @@
               <a:t>網頁幻燈片,</a:t>
             </a:r>
             <a:r>
-              <a:rPr kumimoji="0" lang="en-US" altLang="zh-TW" sz="7200" b="0" i="0" u="none" strike="noStrike" cap="none" normalizeH="0" baseline="0" dirty="0" err="1" smtClean="0">
+              <a:rPr kumimoji="0" lang="en-US" altLang="zh-TW" sz="7200" b="0" i="0" u="none" strike="noStrike" cap="none" normalizeH="0" baseline="0" dirty="0">
                 <a:ln>
                   <a:noFill/>
                 </a:ln>
@@ -4840,19 +4877,8 @@
                 <a:latin typeface="微軟正黑體" panose="020B0604030504040204" pitchFamily="34" charset="-120"/>
                 <a:ea typeface="微軟正黑體" panose="020B0604030504040204" pitchFamily="34" charset="-120"/>
               </a:rPr>
-              <a:t>CSS,jQuery</a:t>
-            </a:r>
-            <a:endParaRPr kumimoji="0" lang="en-US" altLang="zh-TW" sz="7200" b="0" i="0" u="none" strike="noStrike" cap="none" normalizeH="0" baseline="0" dirty="0" smtClean="0">
-              <a:ln>
-                <a:noFill/>
-              </a:ln>
-              <a:solidFill>
-                <a:srgbClr val="000080"/>
-              </a:solidFill>
-              <a:effectLst/>
-              <a:latin typeface="微軟正黑體" panose="020B0604030504040204" pitchFamily="34" charset="-120"/>
-              <a:ea typeface="微軟正黑體" panose="020B0604030504040204" pitchFamily="34" charset="-120"/>
-            </a:endParaRPr>
+              <a:t>CSS, jQuery</a:t>
+            </a:r>
           </a:p>
           <a:p>
             <a:pPr marL="0" marR="0" lvl="0" indent="0" algn="ctr" defTabSz="914400" rtl="0" eaLnBrk="0" fontAlgn="base" latinLnBrk="0" hangingPunct="0">
@@ -4872,7 +4898,7 @@
               <a:tabLst/>
             </a:pPr>
             <a:r>
-              <a:rPr kumimoji="0" lang="en-US" altLang="zh-TW" sz="7200" b="0" i="0" u="none" strike="noStrike" cap="none" normalizeH="0" baseline="0" dirty="0" smtClean="0">
+              <a:rPr kumimoji="0" lang="en-US" altLang="zh-TW" sz="7200" b="0" i="0" u="none" strike="noStrike" cap="none" normalizeH="0" baseline="0" dirty="0">
                 <a:ln>
                   <a:noFill/>
                 </a:ln>
@@ -4904,7 +4930,7 @@
               <a:tabLst/>
             </a:pPr>
             <a:r>
-              <a:rPr kumimoji="0" lang="en-US" altLang="zh-TW" sz="7200" b="0" i="0" u="none" strike="noStrike" cap="none" normalizeH="0" baseline="0" dirty="0" smtClean="0">
+              <a:rPr kumimoji="0" lang="en-US" altLang="zh-TW" sz="7200" b="0" i="0" u="none" strike="noStrike" cap="none" normalizeH="0" baseline="0" dirty="0">
                 <a:ln>
                   <a:noFill/>
                 </a:ln>
@@ -4994,13 +5020,6 @@
   <p:clrMapOvr>
     <a:masterClrMapping/>
   </p:clrMapOvr>
-  <p:timing>
-    <p:tnLst>
-      <p:par>
-        <p:cTn id="1" dur="indefinite" restart="never" nodeType="tmRoot"/>
-      </p:par>
-    </p:tnLst>
-  </p:timing>
 </p:sld>
 </file>
 
